--- a/labs/Setup.pptx
+++ b/labs/Setup.pptx
@@ -10,6 +10,7 @@
     <p:sldId id="259" r:id="rId4"/>
     <p:sldId id="260" r:id="rId5"/>
     <p:sldId id="261" r:id="rId6"/>
+    <p:sldId id="262" r:id="rId7"/>
   </p:sldIdLst>
   <p:sldSz cx="12192000" cy="6858000"/>
   <p:notesSz cx="6858000" cy="9144000"/>
@@ -263,7 +264,7 @@
           <a:p>
             <a:fld id="{9B7890A5-2A86-5E47-A6CB-752D60C714A3}" type="datetimeFigureOut">
               <a:rPr lang="en-US" smtClean="0"/>
-              <a:t>10/7/19</a:t>
+              <a:t>10/8/19</a:t>
             </a:fld>
             <a:endParaRPr lang="en-US"/>
           </a:p>
@@ -461,7 +462,7 @@
           <a:p>
             <a:fld id="{9B7890A5-2A86-5E47-A6CB-752D60C714A3}" type="datetimeFigureOut">
               <a:rPr lang="en-US" smtClean="0"/>
-              <a:t>10/7/19</a:t>
+              <a:t>10/8/19</a:t>
             </a:fld>
             <a:endParaRPr lang="en-US"/>
           </a:p>
@@ -669,7 +670,7 @@
           <a:p>
             <a:fld id="{9B7890A5-2A86-5E47-A6CB-752D60C714A3}" type="datetimeFigureOut">
               <a:rPr lang="en-US" smtClean="0"/>
-              <a:t>10/7/19</a:t>
+              <a:t>10/8/19</a:t>
             </a:fld>
             <a:endParaRPr lang="en-US"/>
           </a:p>
@@ -867,7 +868,7 @@
           <a:p>
             <a:fld id="{9B7890A5-2A86-5E47-A6CB-752D60C714A3}" type="datetimeFigureOut">
               <a:rPr lang="en-US" smtClean="0"/>
-              <a:t>10/7/19</a:t>
+              <a:t>10/8/19</a:t>
             </a:fld>
             <a:endParaRPr lang="en-US"/>
           </a:p>
@@ -1142,7 +1143,7 @@
           <a:p>
             <a:fld id="{9B7890A5-2A86-5E47-A6CB-752D60C714A3}" type="datetimeFigureOut">
               <a:rPr lang="en-US" smtClean="0"/>
-              <a:t>10/7/19</a:t>
+              <a:t>10/8/19</a:t>
             </a:fld>
             <a:endParaRPr lang="en-US"/>
           </a:p>
@@ -1407,7 +1408,7 @@
           <a:p>
             <a:fld id="{9B7890A5-2A86-5E47-A6CB-752D60C714A3}" type="datetimeFigureOut">
               <a:rPr lang="en-US" smtClean="0"/>
-              <a:t>10/7/19</a:t>
+              <a:t>10/8/19</a:t>
             </a:fld>
             <a:endParaRPr lang="en-US"/>
           </a:p>
@@ -1819,7 +1820,7 @@
           <a:p>
             <a:fld id="{9B7890A5-2A86-5E47-A6CB-752D60C714A3}" type="datetimeFigureOut">
               <a:rPr lang="en-US" smtClean="0"/>
-              <a:t>10/7/19</a:t>
+              <a:t>10/8/19</a:t>
             </a:fld>
             <a:endParaRPr lang="en-US"/>
           </a:p>
@@ -1960,7 +1961,7 @@
           <a:p>
             <a:fld id="{9B7890A5-2A86-5E47-A6CB-752D60C714A3}" type="datetimeFigureOut">
               <a:rPr lang="en-US" smtClean="0"/>
-              <a:t>10/7/19</a:t>
+              <a:t>10/8/19</a:t>
             </a:fld>
             <a:endParaRPr lang="en-US"/>
           </a:p>
@@ -2073,7 +2074,7 @@
           <a:p>
             <a:fld id="{9B7890A5-2A86-5E47-A6CB-752D60C714A3}" type="datetimeFigureOut">
               <a:rPr lang="en-US" smtClean="0"/>
-              <a:t>10/7/19</a:t>
+              <a:t>10/8/19</a:t>
             </a:fld>
             <a:endParaRPr lang="en-US"/>
           </a:p>
@@ -2384,7 +2385,7 @@
           <a:p>
             <a:fld id="{9B7890A5-2A86-5E47-A6CB-752D60C714A3}" type="datetimeFigureOut">
               <a:rPr lang="en-US" smtClean="0"/>
-              <a:t>10/7/19</a:t>
+              <a:t>10/8/19</a:t>
             </a:fld>
             <a:endParaRPr lang="en-US"/>
           </a:p>
@@ -2672,7 +2673,7 @@
           <a:p>
             <a:fld id="{9B7890A5-2A86-5E47-A6CB-752D60C714A3}" type="datetimeFigureOut">
               <a:rPr lang="en-US" smtClean="0"/>
-              <a:t>10/7/19</a:t>
+              <a:t>10/8/19</a:t>
             </a:fld>
             <a:endParaRPr lang="en-US"/>
           </a:p>
@@ -2913,7 +2914,7 @@
           <a:p>
             <a:fld id="{9B7890A5-2A86-5E47-A6CB-752D60C714A3}" type="datetimeFigureOut">
               <a:rPr lang="en-US" smtClean="0"/>
-              <a:t>10/7/19</a:t>
+              <a:t>10/8/19</a:t>
             </a:fld>
             <a:endParaRPr lang="en-US"/>
           </a:p>
@@ -4368,7 +4369,7 @@
         </p:spPr>
         <p:txBody>
           <a:bodyPr>
-            <a:normAutofit fontScale="92500" lnSpcReduction="10000"/>
+            <a:normAutofit/>
           </a:bodyPr>
           <a:lstStyle/>
           <a:p>
@@ -4416,58 +4417,6 @@
                 <a:schemeClr val="bg1"/>
               </a:solidFill>
             </a:endParaRPr>
-          </a:p>
-          <a:p>
-            <a:r>
-              <a:rPr lang="en-US" sz="1800" dirty="0">
-                <a:solidFill>
-                  <a:schemeClr val="bg1"/>
-                </a:solidFill>
-              </a:rPr>
-              <a:t>Clone the repository</a:t>
-            </a:r>
-          </a:p>
-          <a:p>
-            <a:r>
-              <a:rPr lang="en-US" sz="1800" dirty="0">
-                <a:solidFill>
-                  <a:schemeClr val="bg1"/>
-                </a:solidFill>
-              </a:rPr>
-              <a:t>git clone https://</a:t>
-            </a:r>
-            <a:r>
-              <a:rPr lang="en-US" sz="1800" dirty="0" err="1">
-                <a:solidFill>
-                  <a:schemeClr val="bg1"/>
-                </a:solidFill>
-              </a:rPr>
-              <a:t>github.com</a:t>
-            </a:r>
-            <a:r>
-              <a:rPr lang="en-US" sz="1800" dirty="0">
-                <a:solidFill>
-                  <a:schemeClr val="bg1"/>
-                </a:solidFill>
-              </a:rPr>
-              <a:t>/</a:t>
-            </a:r>
-            <a:r>
-              <a:rPr lang="en-US" sz="1800" dirty="0" err="1">
-                <a:solidFill>
-                  <a:schemeClr val="bg1"/>
-                </a:solidFill>
-              </a:rPr>
-              <a:t>gmarchet</a:t>
-            </a:r>
-            <a:r>
-              <a:rPr lang="en-US" sz="1800" dirty="0">
-                <a:solidFill>
-                  <a:schemeClr val="bg1"/>
-                </a:solidFill>
-              </a:rPr>
-              <a:t>/dnnworkshop5</a:t>
-            </a:r>
           </a:p>
         </p:txBody>
       </p:sp>
@@ -4833,19 +4782,294 @@
               </a:solidFill>
             </a:endParaRPr>
           </a:p>
-          <a:p>
-            <a:endParaRPr lang="en-US" sz="1800" dirty="0">
-              <a:solidFill>
-                <a:schemeClr val="bg1"/>
-              </a:solidFill>
-            </a:endParaRPr>
-          </a:p>
         </p:txBody>
       </p:sp>
     </p:spTree>
     <p:extLst>
       <p:ext uri="{BB962C8B-B14F-4D97-AF65-F5344CB8AC3E}">
         <p14:creationId xmlns:p14="http://schemas.microsoft.com/office/powerpoint/2010/main" val="4293166716"/>
+      </p:ext>
+    </p:extLst>
+  </p:cSld>
+  <p:clrMapOvr>
+    <a:masterClrMapping/>
+  </p:clrMapOvr>
+</p:sld>
+</file>
+
+<file path=ppt/slides/slide6.xml><?xml version="1.0" encoding="utf-8"?>
+<p:sld xmlns:a="http://schemas.openxmlformats.org/drawingml/2006/main" xmlns:r="http://schemas.openxmlformats.org/officeDocument/2006/relationships" xmlns:p="http://schemas.openxmlformats.org/presentationml/2006/main">
+  <p:cSld>
+    <p:bg>
+      <p:bgPr>
+        <a:solidFill>
+          <a:schemeClr val="bg1"/>
+        </a:solidFill>
+        <a:effectLst/>
+      </p:bgPr>
+    </p:bg>
+    <p:spTree>
+      <p:nvGrpSpPr>
+        <p:cNvPr id="1" name=""/>
+        <p:cNvGrpSpPr/>
+        <p:nvPr/>
+      </p:nvGrpSpPr>
+      <p:grpSpPr>
+        <a:xfrm>
+          <a:off x="0" y="0"/>
+          <a:ext cx="0" cy="0"/>
+          <a:chOff x="0" y="0"/>
+          <a:chExt cx="0" cy="0"/>
+        </a:xfrm>
+      </p:grpSpPr>
+      <p:sp>
+        <p:nvSpPr>
+          <p:cNvPr id="8" name="Rectangle 7">
+            <a:extLst>
+              <a:ext uri="{FF2B5EF4-FFF2-40B4-BE49-F238E27FC236}">
+                <a16:creationId xmlns:a16="http://schemas.microsoft.com/office/drawing/2014/main" id="{8D70B121-56F4-4848-B38B-182089D909FA}"/>
+              </a:ext>
+              <a:ext uri="{C183D7F6-B498-43B3-948B-1728B52AA6E4}">
+                <adec:decorative xmlns:adec="http://schemas.microsoft.com/office/drawing/2017/decorative" val="1"/>
+              </a:ext>
+            </a:extLst>
+          </p:cNvPr>
+          <p:cNvSpPr>
+            <a:spLocks noGrp="1" noRot="1" noChangeAspect="1" noMove="1" noResize="1" noEditPoints="1" noAdjustHandles="1" noChangeArrowheads="1" noChangeShapeType="1" noTextEdit="1"/>
+          </p:cNvSpPr>
+          <p:nvPr>
+            <p:extLst>
+              <p:ext uri="{386F3935-93C4-4BCD-93E2-E3B085C9AB24}">
+                <p16:designElem xmlns:p16="http://schemas.microsoft.com/office/powerpoint/2015/main" val="1"/>
+              </p:ext>
+            </p:extLst>
+          </p:nvPr>
+        </p:nvSpPr>
+        <p:spPr bwMode="ltGray">
+          <a:xfrm>
+            <a:off x="321564" y="320040"/>
+            <a:ext cx="11548872" cy="6217920"/>
+          </a:xfrm>
+          <a:prstGeom prst="rect">
+            <a:avLst/>
+          </a:prstGeom>
+          <a:solidFill>
+            <a:schemeClr val="tx1">
+              <a:alpha val="8000"/>
+            </a:schemeClr>
+          </a:solidFill>
+          <a:ln w="127000" cap="sq" cmpd="thinThick">
+            <a:noFill/>
+          </a:ln>
+        </p:spPr>
+        <p:style>
+          <a:lnRef idx="2">
+            <a:schemeClr val="accent1">
+              <a:shade val="50000"/>
+            </a:schemeClr>
+          </a:lnRef>
+          <a:fillRef idx="1">
+            <a:schemeClr val="accent1"/>
+          </a:fillRef>
+          <a:effectRef idx="0">
+            <a:schemeClr val="accent1"/>
+          </a:effectRef>
+          <a:fontRef idx="minor">
+            <a:schemeClr val="lt1"/>
+          </a:fontRef>
+        </p:style>
+        <p:txBody>
+          <a:bodyPr rtlCol="0" anchor="ctr"/>
+          <a:lstStyle/>
+          <a:p>
+            <a:pPr algn="ctr"/>
+            <a:endParaRPr lang="en-US"/>
+          </a:p>
+        </p:txBody>
+      </p:sp>
+      <p:sp>
+        <p:nvSpPr>
+          <p:cNvPr id="2" name="Title 1">
+            <a:extLst>
+              <a:ext uri="{FF2B5EF4-FFF2-40B4-BE49-F238E27FC236}">
+                <a16:creationId xmlns:a16="http://schemas.microsoft.com/office/drawing/2014/main" id="{C4E4A53C-245C-C142-93EA-51EBB4F27EB8}"/>
+              </a:ext>
+            </a:extLst>
+          </p:cNvPr>
+          <p:cNvSpPr>
+            <a:spLocks noGrp="1"/>
+          </p:cNvSpPr>
+          <p:nvPr>
+            <p:ph type="title"/>
+          </p:nvPr>
+        </p:nvSpPr>
+        <p:spPr>
+          <a:xfrm>
+            <a:off x="838200" y="963877"/>
+            <a:ext cx="3494362" cy="4930246"/>
+          </a:xfrm>
+        </p:spPr>
+        <p:txBody>
+          <a:bodyPr>
+            <a:normAutofit/>
+          </a:bodyPr>
+          <a:lstStyle/>
+          <a:p>
+            <a:pPr algn="r"/>
+            <a:r>
+              <a:rPr lang="en-US" dirty="0">
+                <a:solidFill>
+                  <a:schemeClr val="accent1"/>
+                </a:solidFill>
+              </a:rPr>
+              <a:t>Install required libraries</a:t>
+            </a:r>
+          </a:p>
+        </p:txBody>
+      </p:sp>
+      <p:cxnSp>
+        <p:nvCxnSpPr>
+          <p:cNvPr id="10" name="Straight Connector 9">
+            <a:extLst>
+              <a:ext uri="{FF2B5EF4-FFF2-40B4-BE49-F238E27FC236}">
+                <a16:creationId xmlns:a16="http://schemas.microsoft.com/office/drawing/2014/main" id="{2D72A2C9-F3CA-4216-8BAD-FA4C970C3C4E}"/>
+              </a:ext>
+              <a:ext uri="{C183D7F6-B498-43B3-948B-1728B52AA6E4}">
+                <adec:decorative xmlns:adec="http://schemas.microsoft.com/office/drawing/2017/decorative" val="1"/>
+              </a:ext>
+            </a:extLst>
+          </p:cNvPr>
+          <p:cNvCxnSpPr>
+            <a:cxnSpLocks noGrp="1" noRot="1" noChangeAspect="1" noMove="1" noResize="1" noEditPoints="1" noAdjustHandles="1" noChangeArrowheads="1" noChangeShapeType="1"/>
+          </p:cNvCxnSpPr>
+          <p:nvPr>
+            <p:extLst>
+              <p:ext uri="{386F3935-93C4-4BCD-93E2-E3B085C9AB24}">
+                <p16:designElem xmlns:p16="http://schemas.microsoft.com/office/powerpoint/2015/main" val="1"/>
+              </p:ext>
+            </p:extLst>
+          </p:nvPr>
+        </p:nvCxnSpPr>
+        <p:spPr>
+          <a:xfrm>
+            <a:off x="4654296" y="2057400"/>
+            <a:ext cx="0" cy="2743200"/>
+          </a:xfrm>
+          <a:prstGeom prst="line">
+            <a:avLst/>
+          </a:prstGeom>
+          <a:ln w="19050">
+            <a:solidFill>
+              <a:schemeClr val="tx1">
+                <a:lumMod val="85000"/>
+                <a:lumOff val="15000"/>
+              </a:schemeClr>
+            </a:solidFill>
+          </a:ln>
+        </p:spPr>
+        <p:style>
+          <a:lnRef idx="1">
+            <a:schemeClr val="accent1"/>
+          </a:lnRef>
+          <a:fillRef idx="0">
+            <a:schemeClr val="accent1"/>
+          </a:fillRef>
+          <a:effectRef idx="0">
+            <a:schemeClr val="accent1"/>
+          </a:effectRef>
+          <a:fontRef idx="minor">
+            <a:schemeClr val="tx1"/>
+          </a:fontRef>
+        </p:style>
+      </p:cxnSp>
+      <p:sp>
+        <p:nvSpPr>
+          <p:cNvPr id="3" name="Content Placeholder 2">
+            <a:extLst>
+              <a:ext uri="{FF2B5EF4-FFF2-40B4-BE49-F238E27FC236}">
+                <a16:creationId xmlns:a16="http://schemas.microsoft.com/office/drawing/2014/main" id="{949182C3-3D5A-2E44-8D64-BBEF2B3D031B}"/>
+              </a:ext>
+            </a:extLst>
+          </p:cNvPr>
+          <p:cNvSpPr>
+            <a:spLocks noGrp="1"/>
+          </p:cNvSpPr>
+          <p:nvPr>
+            <p:ph idx="1"/>
+          </p:nvPr>
+        </p:nvSpPr>
+        <p:spPr>
+          <a:xfrm>
+            <a:off x="4976031" y="963877"/>
+            <a:ext cx="6377769" cy="4930246"/>
+          </a:xfrm>
+        </p:spPr>
+        <p:txBody>
+          <a:bodyPr anchor="ctr">
+            <a:normAutofit/>
+          </a:bodyPr>
+          <a:lstStyle/>
+          <a:p>
+            <a:r>
+              <a:rPr lang="en-US" sz="2400" dirty="0" err="1"/>
+              <a:t>conda</a:t>
+            </a:r>
+            <a:r>
+              <a:rPr lang="en-US" sz="2400" dirty="0"/>
+              <a:t> install </a:t>
+            </a:r>
+            <a:r>
+              <a:rPr lang="en-US" sz="2400" dirty="0" err="1"/>
+              <a:t>pydot</a:t>
+            </a:r>
+            <a:endParaRPr lang="en-US" sz="2400" dirty="0"/>
+          </a:p>
+          <a:p>
+            <a:r>
+              <a:rPr lang="en-US" sz="2400" dirty="0" err="1"/>
+              <a:t>conda</a:t>
+            </a:r>
+            <a:r>
+              <a:rPr lang="en-US" sz="2400" dirty="0"/>
+              <a:t> install </a:t>
+            </a:r>
+            <a:r>
+              <a:rPr lang="en-US" sz="2400" dirty="0" err="1"/>
+              <a:t>scikit</a:t>
+            </a:r>
+            <a:r>
+              <a:rPr lang="en-US" sz="2400" dirty="0"/>
+              <a:t>-image</a:t>
+            </a:r>
+          </a:p>
+          <a:p>
+            <a:r>
+              <a:rPr lang="en-US" sz="2400" dirty="0"/>
+              <a:t>pip install </a:t>
+            </a:r>
+            <a:r>
+              <a:rPr lang="en-US" sz="2400" dirty="0" err="1"/>
+              <a:t>imgaug</a:t>
+            </a:r>
+            <a:endParaRPr lang="en-US" sz="2400" dirty="0"/>
+          </a:p>
+          <a:p>
+            <a:r>
+              <a:rPr lang="en-US" sz="2400" dirty="0"/>
+              <a:t>pip install </a:t>
+            </a:r>
+            <a:r>
+              <a:rPr lang="en-US" sz="2400" dirty="0" err="1"/>
+              <a:t>pycocotools</a:t>
+            </a:r>
+            <a:endParaRPr lang="en-US" sz="2400" dirty="0"/>
+          </a:p>
+        </p:txBody>
+      </p:sp>
+    </p:spTree>
+    <p:extLst>
+      <p:ext uri="{BB962C8B-B14F-4D97-AF65-F5344CB8AC3E}">
+        <p14:creationId xmlns:p14="http://schemas.microsoft.com/office/powerpoint/2010/main" val="1421915335"/>
       </p:ext>
     </p:extLst>
   </p:cSld>
